--- a/JVM内存模型.pptx
+++ b/JVM内存模型.pptx
@@ -3661,7 +3661,7 @@
           <a:lstStyle/>
           <a:p>
             <a:r>
-              <a:rPr lang="zh-CN" altLang="en-US"/>
+              <a:rPr lang="zh-CN" altLang="en-US" dirty="0"/>
               <a:t>方法区</a:t>
             </a:r>
           </a:p>
@@ -3683,10 +3683,10 @@
           <a:lstStyle/>
           <a:p>
             <a:r>
-              <a:rPr lang="zh-CN" altLang="en-US" smtClean="0"/>
+              <a:rPr lang="zh-CN" altLang="en-US" dirty="0" smtClean="0"/>
               <a:t>属于共享内存区域，存储已被虚拟机加载的类信息、常量、静态变量、即时编译器编译后的代码等数据。</a:t>
             </a:r>
-            <a:endParaRPr lang="zh-CN" altLang="en-US"/>
+            <a:endParaRPr lang="zh-CN" altLang="en-US" dirty="0"/>
           </a:p>
         </p:txBody>
       </p:sp>
